--- a/data/Hide and Seek Cholera at.pptx
+++ b/data/Hide and Seek Cholera at.pptx
@@ -105,6 +105,11 @@
       </a:defRPr>
     </a:lvl9pPr>
   </p:defaultTextStyle>
+  <p:extLst>
+    <p:ext uri="{EFAFB233-063F-42B5-8137-9DF3F51BA10A}">
+      <p15:sldGuideLst xmlns:p15="http://schemas.microsoft.com/office/powerpoint/2012/main"/>
+    </p:ext>
+  </p:extLst>
 </p:presentation>
 </file>
 
@@ -123,7 +128,7 @@
   </mc:AlternateContent>
   <c:pivotSource>
     <c:name>[TY_Historic_Nashville_City_Cemetery_Interments__1846-1979.xlsx]cause_of_death!PivotTable1</c:name>
-    <c:fmtId val="7"/>
+    <c:fmtId val="11"/>
   </c:pivotSource>
   <c:chart>
     <c:title>
@@ -469,34 +474,34 @@
               <c:strCache>
                 <c:ptCount val="10"/>
                 <c:pt idx="0">
+                  <c:v>Typhoid fever</c:v>
+                </c:pt>
+                <c:pt idx="1">
                   <c:v>Cold</c:v>
                 </c:pt>
-                <c:pt idx="1">
+                <c:pt idx="2">
                   <c:v>Complication</c:v>
                 </c:pt>
-                <c:pt idx="2">
+                <c:pt idx="3">
                   <c:v>Flux</c:v>
                 </c:pt>
-                <c:pt idx="3">
+                <c:pt idx="4">
                   <c:v>Pneumonia</c:v>
                 </c:pt>
-                <c:pt idx="4">
+                <c:pt idx="5">
                   <c:v>Teething</c:v>
                 </c:pt>
-                <c:pt idx="5">
+                <c:pt idx="6">
                   <c:v>Old Age</c:v>
                 </c:pt>
-                <c:pt idx="6">
+                <c:pt idx="7">
                   <c:v>Still Born</c:v>
                 </c:pt>
-                <c:pt idx="7">
+                <c:pt idx="8">
                   <c:v>Cholera</c:v>
                 </c:pt>
-                <c:pt idx="8">
+                <c:pt idx="9">
                   <c:v>Consumption</c:v>
-                </c:pt>
-                <c:pt idx="9">
-                  <c:v>Unknown</c:v>
                 </c:pt>
               </c:strCache>
             </c:strRef>
@@ -508,41 +513,41 @@
                 <c:formatCode>General</c:formatCode>
                 <c:ptCount val="10"/>
                 <c:pt idx="0">
+                  <c:v>353</c:v>
+                </c:pt>
+                <c:pt idx="1">
                   <c:v>428</c:v>
                 </c:pt>
-                <c:pt idx="1">
+                <c:pt idx="2">
                   <c:v>447</c:v>
                 </c:pt>
-                <c:pt idx="2">
+                <c:pt idx="3">
                   <c:v>473</c:v>
                 </c:pt>
-                <c:pt idx="3">
+                <c:pt idx="4">
                   <c:v>516</c:v>
                 </c:pt>
-                <c:pt idx="4">
+                <c:pt idx="5">
                   <c:v>554</c:v>
                 </c:pt>
-                <c:pt idx="5">
+                <c:pt idx="6">
                   <c:v>615</c:v>
                 </c:pt>
-                <c:pt idx="6">
+                <c:pt idx="7">
                   <c:v>1303</c:v>
                 </c:pt>
-                <c:pt idx="7">
+                <c:pt idx="8">
                   <c:v>1403</c:v>
                 </c:pt>
-                <c:pt idx="8">
+                <c:pt idx="9">
                   <c:v>1783</c:v>
-                </c:pt>
-                <c:pt idx="9">
-                  <c:v>2224</c:v>
                 </c:pt>
               </c:numCache>
             </c:numRef>
           </c:val>
           <c:extLst>
             <c:ext xmlns:c16="http://schemas.microsoft.com/office/drawing/2014/chart" uri="{C3380CC4-5D6E-409C-BE32-E72D297353CC}">
-              <c16:uniqueId val="{00000000-3070-451B-AC7C-45C48CDFFC78}"/>
+              <c16:uniqueId val="{00000000-3D83-41A1-BB94-E2BA9C9DB1F4}"/>
             </c:ext>
           </c:extLst>
         </c:ser>
@@ -11366,36 +11371,6 @@
           </a:p>
         </p:txBody>
       </p:sp>
-      <p:graphicFrame>
-        <p:nvGraphicFramePr>
-          <p:cNvPr id="12" name="Chart 11">
-            <a:extLst>
-              <a:ext uri="{FF2B5EF4-FFF2-40B4-BE49-F238E27FC236}">
-                <a16:creationId xmlns:a16="http://schemas.microsoft.com/office/drawing/2014/main" id="{33DC77F4-4F37-4EFA-B595-8F90A225620B}"/>
-              </a:ext>
-            </a:extLst>
-          </p:cNvPr>
-          <p:cNvGraphicFramePr>
-            <a:graphicFrameLocks/>
-          </p:cNvGraphicFramePr>
-          <p:nvPr>
-            <p:extLst>
-              <p:ext uri="{D42A27DB-BD31-4B8C-83A1-F6EECF244321}">
-                <p14:modId xmlns:p14="http://schemas.microsoft.com/office/powerpoint/2010/main" val="3608163912"/>
-              </p:ext>
-            </p:extLst>
-          </p:nvPr>
-        </p:nvGraphicFramePr>
-        <p:xfrm>
-          <a:off x="516613" y="3900600"/>
-          <a:ext cx="6005278" cy="3295614"/>
-        </p:xfrm>
-        <a:graphic>
-          <a:graphicData uri="http://schemas.openxmlformats.org/drawingml/2006/chart">
-            <c:chart xmlns:c="http://schemas.openxmlformats.org/drawingml/2006/chart" xmlns:r="http://schemas.openxmlformats.org/officeDocument/2006/relationships" r:id="rId2"/>
-          </a:graphicData>
-        </a:graphic>
-      </p:graphicFrame>
       <p:sp>
         <p:nvSpPr>
           <p:cNvPr id="7" name="TextBox 6">
@@ -11579,7 +11554,7 @@
           <p:nvPr/>
         </p:nvPicPr>
         <p:blipFill>
-          <a:blip r:embed="rId3">
+          <a:blip r:embed="rId2">
             <a:extLst>
               <a:ext uri="{28A0092B-C50C-407E-A947-70E740481C1C}">
                 <a14:useLocalDpi xmlns:a14="http://schemas.microsoft.com/office/drawing/2010/main" val="0"/>
@@ -11611,6 +11586,36 @@
           </a:extLst>
         </p:spPr>
       </p:pic>
+      <p:graphicFrame>
+        <p:nvGraphicFramePr>
+          <p:cNvPr id="8" name="Chart 7">
+            <a:extLst>
+              <a:ext uri="{FF2B5EF4-FFF2-40B4-BE49-F238E27FC236}">
+                <a16:creationId xmlns:a16="http://schemas.microsoft.com/office/drawing/2014/main" id="{33DC77F4-4F37-4EFA-B595-8F90A225620B}"/>
+              </a:ext>
+            </a:extLst>
+          </p:cNvPr>
+          <p:cNvGraphicFramePr>
+            <a:graphicFrameLocks/>
+          </p:cNvGraphicFramePr>
+          <p:nvPr>
+            <p:extLst>
+              <p:ext uri="{D42A27DB-BD31-4B8C-83A1-F6EECF244321}">
+                <p14:modId xmlns:p14="http://schemas.microsoft.com/office/powerpoint/2010/main" val="2245310471"/>
+              </p:ext>
+            </p:extLst>
+          </p:nvPr>
+        </p:nvGraphicFramePr>
+        <p:xfrm>
+          <a:off x="595312" y="3638549"/>
+          <a:ext cx="5926579" cy="3700987"/>
+        </p:xfrm>
+        <a:graphic>
+          <a:graphicData uri="http://schemas.openxmlformats.org/drawingml/2006/chart">
+            <c:chart xmlns:c="http://schemas.openxmlformats.org/drawingml/2006/chart" xmlns:r="http://schemas.openxmlformats.org/officeDocument/2006/relationships" r:id="rId3"/>
+          </a:graphicData>
+        </a:graphic>
+      </p:graphicFrame>
     </p:spTree>
     <p:extLst>
       <p:ext uri="{BB962C8B-B14F-4D97-AF65-F5344CB8AC3E}">
